--- a/papers/Case2016/pictures/pdf/Straight.pptx
+++ b/papers/Case2016/pictures/pdf/Straight.pptx
@@ -288,7 +288,7 @@
           <a:p>
             <a:fld id="{F02F824B-5CAF-ED43-8375-9FD9F2F6ED6C}" type="datetimeFigureOut">
               <a:rPr lang="en-US" smtClean="0"/>
-              <a:t>3/19/16</a:t>
+              <a:t>3/22/16</a:t>
             </a:fld>
             <a:endParaRPr lang="en-US"/>
           </a:p>
@@ -458,7 +458,7 @@
           <a:p>
             <a:fld id="{F02F824B-5CAF-ED43-8375-9FD9F2F6ED6C}" type="datetimeFigureOut">
               <a:rPr lang="en-US" smtClean="0"/>
-              <a:t>3/19/16</a:t>
+              <a:t>3/22/16</a:t>
             </a:fld>
             <a:endParaRPr lang="en-US"/>
           </a:p>
@@ -638,7 +638,7 @@
           <a:p>
             <a:fld id="{F02F824B-5CAF-ED43-8375-9FD9F2F6ED6C}" type="datetimeFigureOut">
               <a:rPr lang="en-US" smtClean="0"/>
-              <a:t>3/19/16</a:t>
+              <a:t>3/22/16</a:t>
             </a:fld>
             <a:endParaRPr lang="en-US"/>
           </a:p>
@@ -808,7 +808,7 @@
           <a:p>
             <a:fld id="{F02F824B-5CAF-ED43-8375-9FD9F2F6ED6C}" type="datetimeFigureOut">
               <a:rPr lang="en-US" smtClean="0"/>
-              <a:t>3/19/16</a:t>
+              <a:t>3/22/16</a:t>
             </a:fld>
             <a:endParaRPr lang="en-US"/>
           </a:p>
@@ -1054,7 +1054,7 @@
           <a:p>
             <a:fld id="{F02F824B-5CAF-ED43-8375-9FD9F2F6ED6C}" type="datetimeFigureOut">
               <a:rPr lang="en-US" smtClean="0"/>
-              <a:t>3/19/16</a:t>
+              <a:t>3/22/16</a:t>
             </a:fld>
             <a:endParaRPr lang="en-US"/>
           </a:p>
@@ -1342,7 +1342,7 @@
           <a:p>
             <a:fld id="{F02F824B-5CAF-ED43-8375-9FD9F2F6ED6C}" type="datetimeFigureOut">
               <a:rPr lang="en-US" smtClean="0"/>
-              <a:t>3/19/16</a:t>
+              <a:t>3/22/16</a:t>
             </a:fld>
             <a:endParaRPr lang="en-US"/>
           </a:p>
@@ -1764,7 +1764,7 @@
           <a:p>
             <a:fld id="{F02F824B-5CAF-ED43-8375-9FD9F2F6ED6C}" type="datetimeFigureOut">
               <a:rPr lang="en-US" smtClean="0"/>
-              <a:t>3/19/16</a:t>
+              <a:t>3/22/16</a:t>
             </a:fld>
             <a:endParaRPr lang="en-US"/>
           </a:p>
@@ -1882,7 +1882,7 @@
           <a:p>
             <a:fld id="{F02F824B-5CAF-ED43-8375-9FD9F2F6ED6C}" type="datetimeFigureOut">
               <a:rPr lang="en-US" smtClean="0"/>
-              <a:t>3/19/16</a:t>
+              <a:t>3/22/16</a:t>
             </a:fld>
             <a:endParaRPr lang="en-US"/>
           </a:p>
@@ -1977,7 +1977,7 @@
           <a:p>
             <a:fld id="{F02F824B-5CAF-ED43-8375-9FD9F2F6ED6C}" type="datetimeFigureOut">
               <a:rPr lang="en-US" smtClean="0"/>
-              <a:t>3/19/16</a:t>
+              <a:t>3/22/16</a:t>
             </a:fld>
             <a:endParaRPr lang="en-US"/>
           </a:p>
@@ -2254,7 +2254,7 @@
           <a:p>
             <a:fld id="{F02F824B-5CAF-ED43-8375-9FD9F2F6ED6C}" type="datetimeFigureOut">
               <a:rPr lang="en-US" smtClean="0"/>
-              <a:t>3/19/16</a:t>
+              <a:t>3/22/16</a:t>
             </a:fld>
             <a:endParaRPr lang="en-US"/>
           </a:p>
@@ -2507,7 +2507,7 @@
           <a:p>
             <a:fld id="{F02F824B-5CAF-ED43-8375-9FD9F2F6ED6C}" type="datetimeFigureOut">
               <a:rPr lang="en-US" smtClean="0"/>
-              <a:t>3/19/16</a:t>
+              <a:t>3/22/16</a:t>
             </a:fld>
             <a:endParaRPr lang="en-US"/>
           </a:p>
@@ -2720,7 +2720,7 @@
           <a:p>
             <a:fld id="{F02F824B-5CAF-ED43-8375-9FD9F2F6ED6C}" type="datetimeFigureOut">
               <a:rPr lang="en-US" smtClean="0"/>
-              <a:t>3/19/16</a:t>
+              <a:t>3/22/16</a:t>
             </a:fld>
             <a:endParaRPr lang="en-US"/>
           </a:p>
@@ -3121,7 +3121,7 @@
             <a:blip r:embed="rId2">
               <a:extLst>
                 <a:ext uri="{28A0092B-C50C-407E-A947-70E740481C1C}">
-                  <a14:useLocalDpi xmlns:a14="http://schemas.microsoft.com/office/drawing/2010/main" val="0"/>
+                  <a14:useLocalDpi xmlns:a14="http://schemas.microsoft.com/office/drawing/2010/main"/>
                 </a:ext>
               </a:extLst>
             </a:blip>
@@ -3162,10 +3162,10 @@
               <p:nvPr/>
             </p:nvPicPr>
             <p:blipFill>
-              <a:blip r:embed="rId3">
+              <a:blip r:embed="rId3" cstate="screen">
                 <a:extLst>
                   <a:ext uri="{28A0092B-C50C-407E-A947-70E740481C1C}">
-                    <a14:useLocalDpi xmlns:a14="http://schemas.microsoft.com/office/drawing/2010/main" val="0"/>
+                    <a14:useLocalDpi xmlns:a14="http://schemas.microsoft.com/office/drawing/2010/main"/>
                   </a:ext>
                 </a:extLst>
               </a:blip>
@@ -3192,10 +3192,10 @@
               <p:nvPr/>
             </p:nvPicPr>
             <p:blipFill>
-              <a:blip r:embed="rId4">
+              <a:blip r:embed="rId4" cstate="screen">
                 <a:extLst>
                   <a:ext uri="{28A0092B-C50C-407E-A947-70E740481C1C}">
-                    <a14:useLocalDpi xmlns:a14="http://schemas.microsoft.com/office/drawing/2010/main" val="0"/>
+                    <a14:useLocalDpi xmlns:a14="http://schemas.microsoft.com/office/drawing/2010/main"/>
                   </a:ext>
                 </a:extLst>
               </a:blip>
@@ -3222,10 +3222,10 @@
               <p:nvPr/>
             </p:nvPicPr>
             <p:blipFill>
-              <a:blip r:embed="rId5">
+              <a:blip r:embed="rId5" cstate="screen">
                 <a:extLst>
                   <a:ext uri="{28A0092B-C50C-407E-A947-70E740481C1C}">
-                    <a14:useLocalDpi xmlns:a14="http://schemas.microsoft.com/office/drawing/2010/main" val="0"/>
+                    <a14:useLocalDpi xmlns:a14="http://schemas.microsoft.com/office/drawing/2010/main"/>
                   </a:ext>
                 </a:extLst>
               </a:blip>

--- a/papers/Case2016/pictures/pdf/Straight.pptx
+++ b/papers/Case2016/pictures/pdf/Straight.pptx
@@ -288,7 +288,7 @@
           <a:p>
             <a:fld id="{F02F824B-5CAF-ED43-8375-9FD9F2F6ED6C}" type="datetimeFigureOut">
               <a:rPr lang="en-US" smtClean="0"/>
-              <a:t>3/22/16</a:t>
+              <a:t>3/27/16</a:t>
             </a:fld>
             <a:endParaRPr lang="en-US"/>
           </a:p>
@@ -458,7 +458,7 @@
           <a:p>
             <a:fld id="{F02F824B-5CAF-ED43-8375-9FD9F2F6ED6C}" type="datetimeFigureOut">
               <a:rPr lang="en-US" smtClean="0"/>
-              <a:t>3/22/16</a:t>
+              <a:t>3/27/16</a:t>
             </a:fld>
             <a:endParaRPr lang="en-US"/>
           </a:p>
@@ -638,7 +638,7 @@
           <a:p>
             <a:fld id="{F02F824B-5CAF-ED43-8375-9FD9F2F6ED6C}" type="datetimeFigureOut">
               <a:rPr lang="en-US" smtClean="0"/>
-              <a:t>3/22/16</a:t>
+              <a:t>3/27/16</a:t>
             </a:fld>
             <a:endParaRPr lang="en-US"/>
           </a:p>
@@ -808,7 +808,7 @@
           <a:p>
             <a:fld id="{F02F824B-5CAF-ED43-8375-9FD9F2F6ED6C}" type="datetimeFigureOut">
               <a:rPr lang="en-US" smtClean="0"/>
-              <a:t>3/22/16</a:t>
+              <a:t>3/27/16</a:t>
             </a:fld>
             <a:endParaRPr lang="en-US"/>
           </a:p>
@@ -1054,7 +1054,7 @@
           <a:p>
             <a:fld id="{F02F824B-5CAF-ED43-8375-9FD9F2F6ED6C}" type="datetimeFigureOut">
               <a:rPr lang="en-US" smtClean="0"/>
-              <a:t>3/22/16</a:t>
+              <a:t>3/27/16</a:t>
             </a:fld>
             <a:endParaRPr lang="en-US"/>
           </a:p>
@@ -1342,7 +1342,7 @@
           <a:p>
             <a:fld id="{F02F824B-5CAF-ED43-8375-9FD9F2F6ED6C}" type="datetimeFigureOut">
               <a:rPr lang="en-US" smtClean="0"/>
-              <a:t>3/22/16</a:t>
+              <a:t>3/27/16</a:t>
             </a:fld>
             <a:endParaRPr lang="en-US"/>
           </a:p>
@@ -1764,7 +1764,7 @@
           <a:p>
             <a:fld id="{F02F824B-5CAF-ED43-8375-9FD9F2F6ED6C}" type="datetimeFigureOut">
               <a:rPr lang="en-US" smtClean="0"/>
-              <a:t>3/22/16</a:t>
+              <a:t>3/27/16</a:t>
             </a:fld>
             <a:endParaRPr lang="en-US"/>
           </a:p>
@@ -1882,7 +1882,7 @@
           <a:p>
             <a:fld id="{F02F824B-5CAF-ED43-8375-9FD9F2F6ED6C}" type="datetimeFigureOut">
               <a:rPr lang="en-US" smtClean="0"/>
-              <a:t>3/22/16</a:t>
+              <a:t>3/27/16</a:t>
             </a:fld>
             <a:endParaRPr lang="en-US"/>
           </a:p>
@@ -1977,7 +1977,7 @@
           <a:p>
             <a:fld id="{F02F824B-5CAF-ED43-8375-9FD9F2F6ED6C}" type="datetimeFigureOut">
               <a:rPr lang="en-US" smtClean="0"/>
-              <a:t>3/22/16</a:t>
+              <a:t>3/27/16</a:t>
             </a:fld>
             <a:endParaRPr lang="en-US"/>
           </a:p>
@@ -2254,7 +2254,7 @@
           <a:p>
             <a:fld id="{F02F824B-5CAF-ED43-8375-9FD9F2F6ED6C}" type="datetimeFigureOut">
               <a:rPr lang="en-US" smtClean="0"/>
-              <a:t>3/22/16</a:t>
+              <a:t>3/27/16</a:t>
             </a:fld>
             <a:endParaRPr lang="en-US"/>
           </a:p>
@@ -2507,7 +2507,7 @@
           <a:p>
             <a:fld id="{F02F824B-5CAF-ED43-8375-9FD9F2F6ED6C}" type="datetimeFigureOut">
               <a:rPr lang="en-US" smtClean="0"/>
-              <a:t>3/22/16</a:t>
+              <a:t>3/27/16</a:t>
             </a:fld>
             <a:endParaRPr lang="en-US"/>
           </a:p>
@@ -2720,7 +2720,7 @@
           <a:p>
             <a:fld id="{F02F824B-5CAF-ED43-8375-9FD9F2F6ED6C}" type="datetimeFigureOut">
               <a:rPr lang="en-US" smtClean="0"/>
-              <a:t>3/22/16</a:t>
+              <a:t>3/27/16</a:t>
             </a:fld>
             <a:endParaRPr lang="en-US"/>
           </a:p>
@@ -3095,33 +3095,63 @@
           <a:chExt cx="0" cy="0"/>
         </a:xfrm>
       </p:grpSpPr>
+      <p:pic>
+        <p:nvPicPr>
+          <p:cNvPr id="11" name="Picture 10" descr="Straight.eps"/>
+          <p:cNvPicPr>
+            <a:picLocks noChangeAspect="1"/>
+          </p:cNvPicPr>
+          <p:nvPr/>
+        </p:nvPicPr>
+        <p:blipFill>
+          <a:blip r:embed="rId2">
+            <a:extLst>
+              <a:ext uri="{28A0092B-C50C-407E-A947-70E740481C1C}">
+                <a14:useLocalDpi xmlns:a14="http://schemas.microsoft.com/office/drawing/2010/main" val="0"/>
+              </a:ext>
+            </a:extLst>
+          </a:blip>
+          <a:stretch>
+            <a:fillRect/>
+          </a:stretch>
+        </p:blipFill>
+        <p:spPr>
+          <a:xfrm>
+            <a:off x="177800" y="1889058"/>
+            <a:ext cx="7518400" cy="4968942"/>
+          </a:xfrm>
+          <a:prstGeom prst="rect">
+            <a:avLst/>
+          </a:prstGeom>
+        </p:spPr>
+      </p:pic>
       <p:grpSp>
         <p:nvGrpSpPr>
-          <p:cNvPr id="53" name="Group 52"/>
+          <p:cNvPr id="9" name="Group 8"/>
           <p:cNvGrpSpPr/>
           <p:nvPr/>
         </p:nvGrpSpPr>
         <p:grpSpPr>
           <a:xfrm>
-            <a:off x="213991" y="129482"/>
-            <a:ext cx="7403716" cy="6847053"/>
-            <a:chOff x="538919" y="129480"/>
-            <a:chExt cx="7403716" cy="6847053"/>
+            <a:off x="0" y="0"/>
+            <a:ext cx="7772402" cy="2192987"/>
+            <a:chOff x="306014" y="-32966"/>
+            <a:chExt cx="7192258" cy="2058505"/>
           </a:xfrm>
         </p:grpSpPr>
         <p:pic>
           <p:nvPicPr>
-            <p:cNvPr id="54" name="Picture 53" descr="Straight.eps"/>
+            <p:cNvPr id="2" name="Picture 1" descr="Straight1.png"/>
             <p:cNvPicPr>
               <a:picLocks noChangeAspect="1"/>
             </p:cNvPicPr>
             <p:nvPr/>
           </p:nvPicPr>
           <p:blipFill>
-            <a:blip r:embed="rId2">
+            <a:blip r:embed="rId3">
               <a:extLst>
                 <a:ext uri="{28A0092B-C50C-407E-A947-70E740481C1C}">
-                  <a14:useLocalDpi xmlns:a14="http://schemas.microsoft.com/office/drawing/2010/main"/>
+                  <a14:useLocalDpi xmlns:a14="http://schemas.microsoft.com/office/drawing/2010/main" val="0"/>
                 </a:ext>
               </a:extLst>
             </a:blip>
@@ -3131,8 +3161,68 @@
           </p:blipFill>
           <p:spPr>
             <a:xfrm>
-              <a:off x="538919" y="1935917"/>
-              <a:ext cx="7233481" cy="5040616"/>
+              <a:off x="306014" y="-32966"/>
+              <a:ext cx="1861520" cy="2050110"/>
+            </a:xfrm>
+            <a:prstGeom prst="rect">
+              <a:avLst/>
+            </a:prstGeom>
+          </p:spPr>
+        </p:pic>
+        <p:pic>
+          <p:nvPicPr>
+            <p:cNvPr id="3" name="Picture 2" descr="Straight2.png"/>
+            <p:cNvPicPr>
+              <a:picLocks noChangeAspect="1"/>
+            </p:cNvPicPr>
+            <p:nvPr/>
+          </p:nvPicPr>
+          <p:blipFill>
+            <a:blip r:embed="rId4">
+              <a:extLst>
+                <a:ext uri="{28A0092B-C50C-407E-A947-70E740481C1C}">
+                  <a14:useLocalDpi xmlns:a14="http://schemas.microsoft.com/office/drawing/2010/main" val="0"/>
+                </a:ext>
+              </a:extLst>
+            </a:blip>
+            <a:stretch>
+              <a:fillRect/>
+            </a:stretch>
+          </p:blipFill>
+          <p:spPr>
+            <a:xfrm>
+              <a:off x="1950399" y="-32966"/>
+              <a:ext cx="2770441" cy="2049834"/>
+            </a:xfrm>
+            <a:prstGeom prst="rect">
+              <a:avLst/>
+            </a:prstGeom>
+          </p:spPr>
+        </p:pic>
+        <p:pic>
+          <p:nvPicPr>
+            <p:cNvPr id="4" name="Picture 3" descr="Straight3.png"/>
+            <p:cNvPicPr>
+              <a:picLocks noChangeAspect="1"/>
+            </p:cNvPicPr>
+            <p:nvPr/>
+          </p:nvPicPr>
+          <p:blipFill>
+            <a:blip r:embed="rId5">
+              <a:extLst>
+                <a:ext uri="{28A0092B-C50C-407E-A947-70E740481C1C}">
+                  <a14:useLocalDpi xmlns:a14="http://schemas.microsoft.com/office/drawing/2010/main" val="0"/>
+                </a:ext>
+              </a:extLst>
+            </a:blip>
+            <a:stretch>
+              <a:fillRect/>
+            </a:stretch>
+          </p:blipFill>
+          <p:spPr>
+            <a:xfrm>
+              <a:off x="4040247" y="-32965"/>
+              <a:ext cx="3458025" cy="2058504"/>
             </a:xfrm>
             <a:prstGeom prst="rect">
               <a:avLst/>
@@ -3141,307 +3231,596 @@
         </p:pic>
         <p:grpSp>
           <p:nvGrpSpPr>
-            <p:cNvPr id="55" name="Group 54"/>
+            <p:cNvPr id="53" name="Group 52"/>
             <p:cNvGrpSpPr/>
             <p:nvPr/>
           </p:nvGrpSpPr>
           <p:grpSpPr>
             <a:xfrm>
-              <a:off x="538919" y="129480"/>
-              <a:ext cx="7403716" cy="1806437"/>
-              <a:chOff x="368684" y="124749"/>
-              <a:chExt cx="7923012" cy="2138888"/>
+              <a:off x="306014" y="192091"/>
+              <a:ext cx="6856787" cy="1638984"/>
+              <a:chOff x="630942" y="192089"/>
+              <a:chExt cx="6856787" cy="1638984"/>
             </a:xfrm>
           </p:grpSpPr>
-          <p:pic>
-            <p:nvPicPr>
-              <p:cNvPr id="60" name="Picture 59" descr="Straight.png"/>
-              <p:cNvPicPr>
-                <a:picLocks noChangeAspect="1"/>
-              </p:cNvPicPr>
+          <p:grpSp>
+            <p:nvGrpSpPr>
+              <p:cNvPr id="55" name="Group 54"/>
+              <p:cNvGrpSpPr/>
               <p:nvPr/>
-            </p:nvPicPr>
-            <p:blipFill>
-              <a:blip r:embed="rId3" cstate="screen">
-                <a:extLst>
-                  <a:ext uri="{28A0092B-C50C-407E-A947-70E740481C1C}">
-                    <a14:useLocalDpi xmlns:a14="http://schemas.microsoft.com/office/drawing/2010/main"/>
-                  </a:ext>
-                </a:extLst>
-              </a:blip>
-              <a:stretch>
-                <a:fillRect/>
-              </a:stretch>
-            </p:blipFill>
+            </p:nvGrpSpPr>
+            <p:grpSpPr>
+              <a:xfrm>
+                <a:off x="630942" y="217489"/>
+                <a:ext cx="6856787" cy="1527652"/>
+                <a:chOff x="467163" y="228955"/>
+                <a:chExt cx="7337720" cy="1808796"/>
+              </a:xfrm>
+            </p:grpSpPr>
+            <p:sp>
+              <p:nvSpPr>
+                <p:cNvPr id="63" name="Rectangle 62"/>
+                <p:cNvSpPr/>
+                <p:nvPr/>
+              </p:nvSpPr>
+              <p:spPr>
+                <a:xfrm>
+                  <a:off x="4628957" y="692372"/>
+                  <a:ext cx="1570701" cy="748698"/>
+                </a:xfrm>
+                <a:prstGeom prst="rect">
+                  <a:avLst/>
+                </a:prstGeom>
+                <a:solidFill>
+                  <a:schemeClr val="bg1"/>
+                </a:solidFill>
+                <a:ln>
+                  <a:solidFill>
+                    <a:schemeClr val="bg2">
+                      <a:lumMod val="75000"/>
+                    </a:schemeClr>
+                  </a:solidFill>
+                </a:ln>
+              </p:spPr>
+              <p:style>
+                <a:lnRef idx="1">
+                  <a:schemeClr val="accent1"/>
+                </a:lnRef>
+                <a:fillRef idx="3">
+                  <a:schemeClr val="accent1"/>
+                </a:fillRef>
+                <a:effectRef idx="2">
+                  <a:schemeClr val="accent1"/>
+                </a:effectRef>
+                <a:fontRef idx="minor">
+                  <a:schemeClr val="lt1"/>
+                </a:fontRef>
+              </p:style>
+              <p:txBody>
+                <a:bodyPr rtlCol="0" anchor="ctr"/>
+                <a:lstStyle/>
+                <a:p>
+                  <a:r>
+                    <a:rPr lang="en-US" sz="1100" dirty="0" smtClean="0">
+                      <a:solidFill>
+                        <a:srgbClr val="000000"/>
+                      </a:solidFill>
+                    </a:rPr>
+                    <a:t>Robots</a:t>
+                  </a:r>
+                </a:p>
+                <a:p>
+                  <a:r>
+                    <a:rPr lang="en-US" sz="1100" dirty="0" smtClean="0">
+                      <a:solidFill>
+                        <a:srgbClr val="000000"/>
+                      </a:solidFill>
+                    </a:rPr>
+                    <a:t>Covariance Ellipse</a:t>
+                  </a:r>
+                </a:p>
+                <a:p>
+                  <a:r>
+                    <a:rPr lang="en-US" sz="1100" dirty="0" smtClean="0">
+                      <a:solidFill>
+                        <a:srgbClr val="000000"/>
+                      </a:solidFill>
+                    </a:rPr>
+                    <a:t>Block</a:t>
+                  </a:r>
+                </a:p>
+              </p:txBody>
+            </p:sp>
+            <p:sp>
+              <p:nvSpPr>
+                <p:cNvPr id="64" name="Oval 63"/>
+                <p:cNvSpPr/>
+                <p:nvPr/>
+              </p:nvSpPr>
+              <p:spPr>
+                <a:xfrm>
+                  <a:off x="5946443" y="882414"/>
+                  <a:ext cx="45719" cy="45719"/>
+                </a:xfrm>
+                <a:prstGeom prst="ellipse">
+                  <a:avLst/>
+                </a:prstGeom>
+                <a:solidFill>
+                  <a:srgbClr val="0000FF"/>
+                </a:solidFill>
+                <a:ln>
+                  <a:solidFill>
+                    <a:srgbClr val="0000FF"/>
+                  </a:solidFill>
+                </a:ln>
+              </p:spPr>
+              <p:style>
+                <a:lnRef idx="1">
+                  <a:schemeClr val="accent1"/>
+                </a:lnRef>
+                <a:fillRef idx="3">
+                  <a:schemeClr val="accent1"/>
+                </a:fillRef>
+                <a:effectRef idx="2">
+                  <a:schemeClr val="accent1"/>
+                </a:effectRef>
+                <a:fontRef idx="minor">
+                  <a:schemeClr val="lt1"/>
+                </a:fontRef>
+              </p:style>
+              <p:txBody>
+                <a:bodyPr rtlCol="0" anchor="ctr"/>
+                <a:lstStyle/>
+                <a:p>
+                  <a:pPr algn="ctr"/>
+                  <a:endParaRPr lang="en-US"/>
+                </a:p>
+              </p:txBody>
+            </p:sp>
+            <p:sp>
+              <p:nvSpPr>
+                <p:cNvPr id="65" name="Oval 64"/>
+                <p:cNvSpPr/>
+                <p:nvPr/>
+              </p:nvSpPr>
+              <p:spPr>
+                <a:xfrm flipH="1">
+                  <a:off x="5823947" y="985856"/>
+                  <a:ext cx="299486" cy="174331"/>
+                </a:xfrm>
+                <a:prstGeom prst="ellipse">
+                  <a:avLst/>
+                </a:prstGeom>
+                <a:noFill/>
+                <a:ln>
+                  <a:solidFill>
+                    <a:srgbClr val="FF0000"/>
+                  </a:solidFill>
+                </a:ln>
+              </p:spPr>
+              <p:style>
+                <a:lnRef idx="1">
+                  <a:schemeClr val="accent1"/>
+                </a:lnRef>
+                <a:fillRef idx="3">
+                  <a:schemeClr val="accent1"/>
+                </a:fillRef>
+                <a:effectRef idx="2">
+                  <a:schemeClr val="accent1"/>
+                </a:effectRef>
+                <a:fontRef idx="minor">
+                  <a:schemeClr val="lt1"/>
+                </a:fontRef>
+              </p:style>
+              <p:txBody>
+                <a:bodyPr rtlCol="0" anchor="ctr"/>
+                <a:lstStyle/>
+                <a:p>
+                  <a:pPr algn="ctr"/>
+                  <a:endParaRPr lang="en-US"/>
+                </a:p>
+              </p:txBody>
+            </p:sp>
+            <p:sp>
+              <p:nvSpPr>
+                <p:cNvPr id="66" name="Rectangle 65"/>
+                <p:cNvSpPr/>
+                <p:nvPr/>
+              </p:nvSpPr>
+              <p:spPr>
+                <a:xfrm>
+                  <a:off x="5835493" y="1241002"/>
+                  <a:ext cx="299486" cy="77640"/>
+                </a:xfrm>
+                <a:prstGeom prst="rect">
+                  <a:avLst/>
+                </a:prstGeom>
+                <a:solidFill>
+                  <a:srgbClr val="E29DAA"/>
+                </a:solidFill>
+                <a:ln>
+                  <a:solidFill>
+                    <a:srgbClr val="E19CA9"/>
+                  </a:solidFill>
+                </a:ln>
+              </p:spPr>
+              <p:style>
+                <a:lnRef idx="1">
+                  <a:schemeClr val="accent1"/>
+                </a:lnRef>
+                <a:fillRef idx="3">
+                  <a:schemeClr val="accent1"/>
+                </a:fillRef>
+                <a:effectRef idx="2">
+                  <a:schemeClr val="accent1"/>
+                </a:effectRef>
+                <a:fontRef idx="minor">
+                  <a:schemeClr val="lt1"/>
+                </a:fontRef>
+              </p:style>
+              <p:txBody>
+                <a:bodyPr rtlCol="0" anchor="ctr"/>
+                <a:lstStyle/>
+                <a:p>
+                  <a:pPr algn="ctr"/>
+                  <a:endParaRPr lang="en-US"/>
+                </a:p>
+              </p:txBody>
+            </p:sp>
+            <p:cxnSp>
+              <p:nvCxnSpPr>
+                <p:cNvPr id="67" name="Straight Connector 66"/>
+                <p:cNvCxnSpPr/>
+                <p:nvPr/>
+              </p:nvCxnSpPr>
+              <p:spPr>
+                <a:xfrm>
+                  <a:off x="467163" y="1571587"/>
+                  <a:ext cx="1239983" cy="0"/>
+                </a:xfrm>
+                <a:prstGeom prst="line">
+                  <a:avLst/>
+                </a:prstGeom>
+                <a:ln>
+                  <a:prstDash val="dash"/>
+                </a:ln>
+              </p:spPr>
+              <p:style>
+                <a:lnRef idx="2">
+                  <a:schemeClr val="accent1"/>
+                </a:lnRef>
+                <a:fillRef idx="0">
+                  <a:schemeClr val="accent1"/>
+                </a:fillRef>
+                <a:effectRef idx="1">
+                  <a:schemeClr val="accent1"/>
+                </a:effectRef>
+                <a:fontRef idx="minor">
+                  <a:schemeClr val="tx1"/>
+                </a:fontRef>
+              </p:style>
+            </p:cxnSp>
+            <p:sp>
+              <p:nvSpPr>
+                <p:cNvPr id="68" name="TextBox 67"/>
+                <p:cNvSpPr txBox="1"/>
+                <p:nvPr/>
+              </p:nvSpPr>
+              <p:spPr>
+                <a:xfrm>
+                  <a:off x="507999" y="1583512"/>
+                  <a:ext cx="795866" cy="437303"/>
+                </a:xfrm>
+                <a:prstGeom prst="rect">
+                  <a:avLst/>
+                </a:prstGeom>
+                <a:noFill/>
+              </p:spPr>
+              <p:txBody>
+                <a:bodyPr wrap="square" rtlCol="0">
+                  <a:spAutoFit/>
+                </a:bodyPr>
+                <a:lstStyle/>
+                <a:p>
+                  <a:r>
+                    <a:rPr lang="en-US" dirty="0" smtClean="0"/>
+                    <a:t>11m</a:t>
+                  </a:r>
+                  <a:endParaRPr lang="en-US" dirty="0"/>
+                </a:p>
+              </p:txBody>
+            </p:sp>
+            <p:cxnSp>
+              <p:nvCxnSpPr>
+                <p:cNvPr id="69" name="Straight Connector 68"/>
+                <p:cNvCxnSpPr/>
+                <p:nvPr/>
+              </p:nvCxnSpPr>
+              <p:spPr>
+                <a:xfrm flipV="1">
+                  <a:off x="2283099" y="1583512"/>
+                  <a:ext cx="2042545" cy="5011"/>
+                </a:xfrm>
+                <a:prstGeom prst="line">
+                  <a:avLst/>
+                </a:prstGeom>
+                <a:ln>
+                  <a:prstDash val="dash"/>
+                </a:ln>
+              </p:spPr>
+              <p:style>
+                <a:lnRef idx="2">
+                  <a:schemeClr val="accent1"/>
+                </a:lnRef>
+                <a:fillRef idx="0">
+                  <a:schemeClr val="accent1"/>
+                </a:fillRef>
+                <a:effectRef idx="1">
+                  <a:schemeClr val="accent1"/>
+                </a:effectRef>
+                <a:fontRef idx="minor">
+                  <a:schemeClr val="tx1"/>
+                </a:fontRef>
+              </p:style>
+            </p:cxnSp>
+            <p:sp>
+              <p:nvSpPr>
+                <p:cNvPr id="70" name="TextBox 69"/>
+                <p:cNvSpPr txBox="1"/>
+                <p:nvPr/>
+              </p:nvSpPr>
+              <p:spPr>
+                <a:xfrm>
+                  <a:off x="2547020" y="1600448"/>
+                  <a:ext cx="975073" cy="437303"/>
+                </a:xfrm>
+                <a:prstGeom prst="rect">
+                  <a:avLst/>
+                </a:prstGeom>
+                <a:noFill/>
+              </p:spPr>
+              <p:txBody>
+                <a:bodyPr wrap="square" rtlCol="0">
+                  <a:spAutoFit/>
+                </a:bodyPr>
+                <a:lstStyle/>
+                <a:p>
+                  <a:r>
+                    <a:rPr lang="en-US" dirty="0" smtClean="0"/>
+                    <a:t>18m</a:t>
+                  </a:r>
+                  <a:endParaRPr lang="en-US" dirty="0"/>
+                </a:p>
+              </p:txBody>
+            </p:sp>
+            <p:cxnSp>
+              <p:nvCxnSpPr>
+                <p:cNvPr id="71" name="Straight Connector 70"/>
+                <p:cNvCxnSpPr/>
+                <p:nvPr/>
+              </p:nvCxnSpPr>
+              <p:spPr>
+                <a:xfrm>
+                  <a:off x="4504327" y="1571587"/>
+                  <a:ext cx="3300556" cy="11924"/>
+                </a:xfrm>
+                <a:prstGeom prst="line">
+                  <a:avLst/>
+                </a:prstGeom>
+                <a:ln>
+                  <a:prstDash val="dash"/>
+                </a:ln>
+              </p:spPr>
+              <p:style>
+                <a:lnRef idx="2">
+                  <a:schemeClr val="accent1"/>
+                </a:lnRef>
+                <a:fillRef idx="0">
+                  <a:schemeClr val="accent1"/>
+                </a:fillRef>
+                <a:effectRef idx="1">
+                  <a:schemeClr val="accent1"/>
+                </a:effectRef>
+                <a:fontRef idx="minor">
+                  <a:schemeClr val="tx1"/>
+                </a:fontRef>
+              </p:style>
+            </p:cxnSp>
+            <p:sp>
+              <p:nvSpPr>
+                <p:cNvPr id="72" name="TextBox 71"/>
+                <p:cNvSpPr txBox="1"/>
+                <p:nvPr/>
+              </p:nvSpPr>
+              <p:spPr>
+                <a:xfrm>
+                  <a:off x="5155793" y="1566585"/>
+                  <a:ext cx="836370" cy="437303"/>
+                </a:xfrm>
+                <a:prstGeom prst="rect">
+                  <a:avLst/>
+                </a:prstGeom>
+                <a:noFill/>
+              </p:spPr>
+              <p:txBody>
+                <a:bodyPr wrap="square" rtlCol="0">
+                  <a:spAutoFit/>
+                </a:bodyPr>
+                <a:lstStyle/>
+                <a:p>
+                  <a:r>
+                    <a:rPr lang="en-US" dirty="0" smtClean="0"/>
+                    <a:t>25m</a:t>
+                  </a:r>
+                  <a:endParaRPr lang="en-US" dirty="0"/>
+                </a:p>
+              </p:txBody>
+            </p:sp>
+            <p:sp>
+              <p:nvSpPr>
+                <p:cNvPr id="73" name="TextBox 72"/>
+                <p:cNvSpPr txBox="1"/>
+                <p:nvPr/>
+              </p:nvSpPr>
+              <p:spPr>
+                <a:xfrm>
+                  <a:off x="507999" y="228955"/>
+                  <a:ext cx="761998" cy="437303"/>
+                </a:xfrm>
+                <a:prstGeom prst="rect">
+                  <a:avLst/>
+                </a:prstGeom>
+                <a:noFill/>
+              </p:spPr>
+              <p:txBody>
+                <a:bodyPr wrap="square" rtlCol="0">
+                  <a:spAutoFit/>
+                </a:bodyPr>
+                <a:lstStyle/>
+                <a:p>
+                  <a:r>
+                    <a:rPr lang="en-US" i="1" dirty="0" smtClean="0"/>
+                    <a:t>t = 5</a:t>
+                  </a:r>
+                  <a:endParaRPr lang="en-US" i="1" dirty="0"/>
+                </a:p>
+              </p:txBody>
+            </p:sp>
+            <p:sp>
+              <p:nvSpPr>
+                <p:cNvPr id="74" name="TextBox 73"/>
+                <p:cNvSpPr txBox="1"/>
+                <p:nvPr/>
+              </p:nvSpPr>
+              <p:spPr>
+                <a:xfrm>
+                  <a:off x="2547019" y="228955"/>
+                  <a:ext cx="761998" cy="437303"/>
+                </a:xfrm>
+                <a:prstGeom prst="rect">
+                  <a:avLst/>
+                </a:prstGeom>
+                <a:noFill/>
+              </p:spPr>
+              <p:txBody>
+                <a:bodyPr wrap="square" rtlCol="0">
+                  <a:spAutoFit/>
+                </a:bodyPr>
+                <a:lstStyle/>
+                <a:p>
+                  <a:r>
+                    <a:rPr lang="en-US" i="1" dirty="0" smtClean="0"/>
+                    <a:t>t = 15</a:t>
+                  </a:r>
+                  <a:endParaRPr lang="en-US" i="1" dirty="0"/>
+                </a:p>
+              </p:txBody>
+            </p:sp>
+            <p:sp>
+              <p:nvSpPr>
+                <p:cNvPr id="75" name="TextBox 74"/>
+                <p:cNvSpPr txBox="1"/>
+                <p:nvPr/>
+              </p:nvSpPr>
+              <p:spPr>
+                <a:xfrm>
+                  <a:off x="4628956" y="228955"/>
+                  <a:ext cx="761998" cy="437303"/>
+                </a:xfrm>
+                <a:prstGeom prst="rect">
+                  <a:avLst/>
+                </a:prstGeom>
+                <a:noFill/>
+              </p:spPr>
+              <p:txBody>
+                <a:bodyPr wrap="square" rtlCol="0">
+                  <a:spAutoFit/>
+                </a:bodyPr>
+                <a:lstStyle/>
+                <a:p>
+                  <a:r>
+                    <a:rPr lang="en-US" i="1" dirty="0" smtClean="0"/>
+                    <a:t>t = 25</a:t>
+                  </a:r>
+                  <a:endParaRPr lang="en-US" i="1" dirty="0"/>
+                </a:p>
+              </p:txBody>
+            </p:sp>
+          </p:grpSp>
+          <p:sp>
+            <p:nvSpPr>
+              <p:cNvPr id="56" name="TextBox 55"/>
+              <p:cNvSpPr txBox="1"/>
+              <p:nvPr/>
+            </p:nvSpPr>
             <p:spPr>
               <a:xfrm>
-                <a:off x="368684" y="124749"/>
-                <a:ext cx="2940334" cy="2138888"/>
+                <a:off x="1662562" y="217489"/>
+                <a:ext cx="205705" cy="523220"/>
               </a:xfrm>
               <a:prstGeom prst="rect">
                 <a:avLst/>
               </a:prstGeom>
+              <a:noFill/>
             </p:spPr>
-          </p:pic>
-          <p:pic>
-            <p:nvPicPr>
-              <p:cNvPr id="61" name="Picture 60" descr="Trans2.png"/>
-              <p:cNvPicPr>
-                <a:picLocks noChangeAspect="1"/>
-              </p:cNvPicPr>
-              <p:nvPr/>
-            </p:nvPicPr>
-            <p:blipFill>
-              <a:blip r:embed="rId4" cstate="screen">
-                <a:extLst>
-                  <a:ext uri="{28A0092B-C50C-407E-A947-70E740481C1C}">
-                    <a14:useLocalDpi xmlns:a14="http://schemas.microsoft.com/office/drawing/2010/main"/>
-                  </a:ext>
-                </a:extLst>
-              </a:blip>
-              <a:stretch>
-                <a:fillRect/>
-              </a:stretch>
-            </p:blipFill>
-            <p:spPr>
-              <a:xfrm>
-                <a:off x="2364644" y="124749"/>
-                <a:ext cx="3801148" cy="2138888"/>
-              </a:xfrm>
-              <a:prstGeom prst="rect">
-                <a:avLst/>
-              </a:prstGeom>
-            </p:spPr>
-          </p:pic>
-          <p:pic>
-            <p:nvPicPr>
-              <p:cNvPr id="62" name="Picture 61" descr="Trans3.png"/>
-              <p:cNvPicPr>
-                <a:picLocks noChangeAspect="1"/>
-              </p:cNvPicPr>
-              <p:nvPr/>
-            </p:nvPicPr>
-            <p:blipFill>
-              <a:blip r:embed="rId5" cstate="screen">
-                <a:extLst>
-                  <a:ext uri="{28A0092B-C50C-407E-A947-70E740481C1C}">
-                    <a14:useLocalDpi xmlns:a14="http://schemas.microsoft.com/office/drawing/2010/main"/>
-                  </a:ext>
-                </a:extLst>
-              </a:blip>
-              <a:stretch>
-                <a:fillRect/>
-              </a:stretch>
-            </p:blipFill>
-            <p:spPr>
-              <a:xfrm>
-                <a:off x="4476750" y="124749"/>
-                <a:ext cx="3814946" cy="2138888"/>
-              </a:xfrm>
-              <a:prstGeom prst="rect">
-                <a:avLst/>
-              </a:prstGeom>
-            </p:spPr>
-          </p:pic>
+            <p:txBody>
+              <a:bodyPr wrap="square" rtlCol="0">
+                <a:spAutoFit/>
+              </a:bodyPr>
+              <a:lstStyle/>
+              <a:p>
+                <a:r>
+                  <a:rPr lang="en-US" sz="2800" b="1" i="1" dirty="0" err="1" smtClean="0">
+                    <a:latin typeface="Times New Roman"/>
+                    <a:cs typeface="Times New Roman"/>
+                  </a:rPr>
+                  <a:t>θ</a:t>
+                </a:r>
+                <a:endParaRPr lang="en-US" sz="2800" b="1" i="1" dirty="0">
+                  <a:latin typeface="Times New Roman"/>
+                  <a:cs typeface="Times New Roman"/>
+                </a:endParaRPr>
+              </a:p>
+            </p:txBody>
+          </p:sp>
           <p:sp>
             <p:nvSpPr>
-              <p:cNvPr id="63" name="Rectangle 62"/>
+              <p:cNvPr id="57" name="Arc 56"/>
               <p:cNvSpPr/>
               <p:nvPr/>
             </p:nvSpPr>
             <p:spPr>
               <a:xfrm>
-                <a:off x="4628957" y="692372"/>
-                <a:ext cx="1570701" cy="748698"/>
+                <a:off x="1260377" y="545362"/>
+                <a:ext cx="698567" cy="1285711"/>
               </a:xfrm>
-              <a:prstGeom prst="rect">
-                <a:avLst/>
+              <a:prstGeom prst="arc">
+                <a:avLst>
+                  <a:gd name="adj1" fmla="val 15134130"/>
+                  <a:gd name="adj2" fmla="val 16131963"/>
+                </a:avLst>
               </a:prstGeom>
-              <a:solidFill>
-                <a:schemeClr val="bg1"/>
-              </a:solidFill>
-              <a:ln>
+              <a:ln w="50800">
                 <a:solidFill>
-                  <a:schemeClr val="bg2">
-                    <a:lumMod val="75000"/>
-                  </a:schemeClr>
+                  <a:schemeClr val="tx1"/>
                 </a:solidFill>
+                <a:headEnd type="none" w="med" len="lg"/>
+                <a:tailEnd type="none" w="med" len="lg"/>
               </a:ln>
+              <a:effectLst/>
             </p:spPr>
             <p:style>
-              <a:lnRef idx="1">
+              <a:lnRef idx="2">
                 <a:schemeClr val="accent1"/>
               </a:lnRef>
-              <a:fillRef idx="3">
+              <a:fillRef idx="0">
                 <a:schemeClr val="accent1"/>
               </a:fillRef>
-              <a:effectRef idx="2">
+              <a:effectRef idx="1">
                 <a:schemeClr val="accent1"/>
               </a:effectRef>
               <a:fontRef idx="minor">
-                <a:schemeClr val="lt1"/>
-              </a:fontRef>
-            </p:style>
-            <p:txBody>
-              <a:bodyPr rtlCol="0" anchor="ctr"/>
-              <a:lstStyle/>
-              <a:p>
-                <a:r>
-                  <a:rPr lang="en-US" sz="1100" dirty="0" smtClean="0">
-                    <a:solidFill>
-                      <a:srgbClr val="000000"/>
-                    </a:solidFill>
-                  </a:rPr>
-                  <a:t>Robots</a:t>
-                </a:r>
-              </a:p>
-              <a:p>
-                <a:r>
-                  <a:rPr lang="en-US" sz="1100" dirty="0" smtClean="0">
-                    <a:solidFill>
-                      <a:srgbClr val="000000"/>
-                    </a:solidFill>
-                  </a:rPr>
-                  <a:t>Covariance Ellipse</a:t>
-                </a:r>
-              </a:p>
-              <a:p>
-                <a:r>
-                  <a:rPr lang="en-US" sz="1100" dirty="0" smtClean="0">
-                    <a:solidFill>
-                      <a:srgbClr val="000000"/>
-                    </a:solidFill>
-                  </a:rPr>
-                  <a:t>Block</a:t>
-                </a:r>
-              </a:p>
-            </p:txBody>
-          </p:sp>
-          <p:sp>
-            <p:nvSpPr>
-              <p:cNvPr id="64" name="Oval 63"/>
-              <p:cNvSpPr/>
-              <p:nvPr/>
-            </p:nvSpPr>
-            <p:spPr>
-              <a:xfrm>
-                <a:off x="5946443" y="882414"/>
-                <a:ext cx="45719" cy="45719"/>
-              </a:xfrm>
-              <a:prstGeom prst="ellipse">
-                <a:avLst/>
-              </a:prstGeom>
-              <a:solidFill>
-                <a:srgbClr val="0000FF"/>
-              </a:solidFill>
-              <a:ln>
-                <a:solidFill>
-                  <a:srgbClr val="0000FF"/>
-                </a:solidFill>
-              </a:ln>
-            </p:spPr>
-            <p:style>
-              <a:lnRef idx="1">
-                <a:schemeClr val="accent1"/>
-              </a:lnRef>
-              <a:fillRef idx="3">
-                <a:schemeClr val="accent1"/>
-              </a:fillRef>
-              <a:effectRef idx="2">
-                <a:schemeClr val="accent1"/>
-              </a:effectRef>
-              <a:fontRef idx="minor">
-                <a:schemeClr val="lt1"/>
-              </a:fontRef>
-            </p:style>
-            <p:txBody>
-              <a:bodyPr rtlCol="0" anchor="ctr"/>
-              <a:lstStyle/>
-              <a:p>
-                <a:pPr algn="ctr"/>
-                <a:endParaRPr lang="en-US"/>
-              </a:p>
-            </p:txBody>
-          </p:sp>
-          <p:sp>
-            <p:nvSpPr>
-              <p:cNvPr id="65" name="Oval 64"/>
-              <p:cNvSpPr/>
-              <p:nvPr/>
-            </p:nvSpPr>
-            <p:spPr>
-              <a:xfrm flipH="1">
-                <a:off x="5823947" y="985856"/>
-                <a:ext cx="299486" cy="174331"/>
-              </a:xfrm>
-              <a:prstGeom prst="ellipse">
-                <a:avLst/>
-              </a:prstGeom>
-              <a:noFill/>
-              <a:ln>
-                <a:solidFill>
-                  <a:srgbClr val="FF0000"/>
-                </a:solidFill>
-              </a:ln>
-            </p:spPr>
-            <p:style>
-              <a:lnRef idx="1">
-                <a:schemeClr val="accent1"/>
-              </a:lnRef>
-              <a:fillRef idx="3">
-                <a:schemeClr val="accent1"/>
-              </a:fillRef>
-              <a:effectRef idx="2">
-                <a:schemeClr val="accent1"/>
-              </a:effectRef>
-              <a:fontRef idx="minor">
-                <a:schemeClr val="lt1"/>
-              </a:fontRef>
-            </p:style>
-            <p:txBody>
-              <a:bodyPr rtlCol="0" anchor="ctr"/>
-              <a:lstStyle/>
-              <a:p>
-                <a:pPr algn="ctr"/>
-                <a:endParaRPr lang="en-US"/>
-              </a:p>
-            </p:txBody>
-          </p:sp>
-          <p:sp>
-            <p:nvSpPr>
-              <p:cNvPr id="66" name="Rectangle 65"/>
-              <p:cNvSpPr/>
-              <p:nvPr/>
-            </p:nvSpPr>
-            <p:spPr>
-              <a:xfrm>
-                <a:off x="5835493" y="1241002"/>
-                <a:ext cx="299486" cy="77640"/>
-              </a:xfrm>
-              <a:prstGeom prst="rect">
-                <a:avLst/>
-              </a:prstGeom>
-              <a:solidFill>
-                <a:srgbClr val="E29DAA"/>
-              </a:solidFill>
-              <a:ln>
-                <a:solidFill>
-                  <a:srgbClr val="E19CA9"/>
-                </a:solidFill>
-              </a:ln>
-            </p:spPr>
-            <p:style>
-              <a:lnRef idx="1">
-                <a:schemeClr val="accent1"/>
-              </a:lnRef>
-              <a:fillRef idx="3">
-                <a:schemeClr val="accent1"/>
-              </a:fillRef>
-              <a:effectRef idx="2">
-                <a:schemeClr val="accent1"/>
-              </a:effectRef>
-              <a:fontRef idx="minor">
-                <a:schemeClr val="lt1"/>
+                <a:schemeClr val="tx1"/>
               </a:fontRef>
             </p:style>
             <p:txBody>
@@ -3455,20 +3834,22 @@
           </p:sp>
           <p:cxnSp>
             <p:nvCxnSpPr>
-              <p:cNvPr id="67" name="Straight Connector 66"/>
+              <p:cNvPr id="58" name="Straight Connector 57"/>
               <p:cNvCxnSpPr/>
               <p:nvPr/>
             </p:nvCxnSpPr>
             <p:spPr>
               <a:xfrm>
-                <a:off x="385617" y="1571587"/>
-                <a:ext cx="1239983" cy="0"/>
+                <a:off x="1213928" y="232724"/>
+                <a:ext cx="632298" cy="1143085"/>
               </a:xfrm>
               <a:prstGeom prst="line">
                 <a:avLst/>
               </a:prstGeom>
               <a:ln>
-                <a:prstDash val="dash"/>
+                <a:solidFill>
+                  <a:srgbClr val="000000"/>
+                </a:solidFill>
               </a:ln>
             </p:spPr>
             <p:style>
@@ -3486,52 +3867,24 @@
               </a:fontRef>
             </p:style>
           </p:cxnSp>
-          <p:sp>
-            <p:nvSpPr>
-              <p:cNvPr id="68" name="TextBox 67"/>
-              <p:cNvSpPr txBox="1"/>
-              <p:nvPr/>
-            </p:nvSpPr>
-            <p:spPr>
-              <a:xfrm>
-                <a:off x="507999" y="1583512"/>
-                <a:ext cx="795866" cy="437303"/>
-              </a:xfrm>
-              <a:prstGeom prst="rect">
-                <a:avLst/>
-              </a:prstGeom>
-              <a:noFill/>
-            </p:spPr>
-            <p:txBody>
-              <a:bodyPr wrap="square" rtlCol="0">
-                <a:spAutoFit/>
-              </a:bodyPr>
-              <a:lstStyle/>
-              <a:p>
-                <a:r>
-                  <a:rPr lang="en-US" dirty="0" smtClean="0"/>
-                  <a:t>11m</a:t>
-                </a:r>
-                <a:endParaRPr lang="en-US" dirty="0"/>
-              </a:p>
-            </p:txBody>
-          </p:sp>
           <p:cxnSp>
             <p:nvCxnSpPr>
-              <p:cNvPr id="69" name="Straight Connector 68"/>
+              <p:cNvPr id="59" name="Straight Connector 58"/>
               <p:cNvCxnSpPr/>
               <p:nvPr/>
             </p:nvCxnSpPr>
             <p:spPr>
-              <a:xfrm>
-                <a:off x="2364644" y="1588523"/>
-                <a:ext cx="1665489" cy="0"/>
+              <a:xfrm flipV="1">
+                <a:off x="1616046" y="192089"/>
+                <a:ext cx="0" cy="720710"/>
               </a:xfrm>
               <a:prstGeom prst="line">
                 <a:avLst/>
               </a:prstGeom>
               <a:ln>
-                <a:prstDash val="dash"/>
+                <a:solidFill>
+                  <a:schemeClr val="tx1"/>
+                </a:solidFill>
               </a:ln>
             </p:spPr>
             <p:style>
@@ -3549,345 +3902,7 @@
               </a:fontRef>
             </p:style>
           </p:cxnSp>
-          <p:sp>
-            <p:nvSpPr>
-              <p:cNvPr id="70" name="TextBox 69"/>
-              <p:cNvSpPr txBox="1"/>
-              <p:nvPr/>
-            </p:nvSpPr>
-            <p:spPr>
-              <a:xfrm>
-                <a:off x="2547020" y="1600448"/>
-                <a:ext cx="975073" cy="437303"/>
-              </a:xfrm>
-              <a:prstGeom prst="rect">
-                <a:avLst/>
-              </a:prstGeom>
-              <a:noFill/>
-            </p:spPr>
-            <p:txBody>
-              <a:bodyPr wrap="square" rtlCol="0">
-                <a:spAutoFit/>
-              </a:bodyPr>
-              <a:lstStyle/>
-              <a:p>
-                <a:r>
-                  <a:rPr lang="en-US" dirty="0" smtClean="0"/>
-                  <a:t>18m</a:t>
-                </a:r>
-                <a:endParaRPr lang="en-US" dirty="0"/>
-              </a:p>
-            </p:txBody>
-          </p:sp>
-          <p:cxnSp>
-            <p:nvCxnSpPr>
-              <p:cNvPr id="71" name="Straight Connector 70"/>
-              <p:cNvCxnSpPr/>
-              <p:nvPr/>
-            </p:nvCxnSpPr>
-            <p:spPr>
-              <a:xfrm>
-                <a:off x="4504327" y="1571587"/>
-                <a:ext cx="2455273" cy="0"/>
-              </a:xfrm>
-              <a:prstGeom prst="line">
-                <a:avLst/>
-              </a:prstGeom>
-              <a:ln>
-                <a:prstDash val="dash"/>
-              </a:ln>
-            </p:spPr>
-            <p:style>
-              <a:lnRef idx="2">
-                <a:schemeClr val="accent1"/>
-              </a:lnRef>
-              <a:fillRef idx="0">
-                <a:schemeClr val="accent1"/>
-              </a:fillRef>
-              <a:effectRef idx="1">
-                <a:schemeClr val="accent1"/>
-              </a:effectRef>
-              <a:fontRef idx="minor">
-                <a:schemeClr val="tx1"/>
-              </a:fontRef>
-            </p:style>
-          </p:cxnSp>
-          <p:sp>
-            <p:nvSpPr>
-              <p:cNvPr id="72" name="TextBox 71"/>
-              <p:cNvSpPr txBox="1"/>
-              <p:nvPr/>
-            </p:nvSpPr>
-            <p:spPr>
-              <a:xfrm>
-                <a:off x="5155793" y="1566585"/>
-                <a:ext cx="836370" cy="437303"/>
-              </a:xfrm>
-              <a:prstGeom prst="rect">
-                <a:avLst/>
-              </a:prstGeom>
-              <a:noFill/>
-            </p:spPr>
-            <p:txBody>
-              <a:bodyPr wrap="square" rtlCol="0">
-                <a:spAutoFit/>
-              </a:bodyPr>
-              <a:lstStyle/>
-              <a:p>
-                <a:r>
-                  <a:rPr lang="en-US" dirty="0" smtClean="0"/>
-                  <a:t>25m</a:t>
-                </a:r>
-                <a:endParaRPr lang="en-US" dirty="0"/>
-              </a:p>
-            </p:txBody>
-          </p:sp>
-          <p:sp>
-            <p:nvSpPr>
-              <p:cNvPr id="73" name="TextBox 72"/>
-              <p:cNvSpPr txBox="1"/>
-              <p:nvPr/>
-            </p:nvSpPr>
-            <p:spPr>
-              <a:xfrm>
-                <a:off x="507999" y="228955"/>
-                <a:ext cx="761998" cy="437303"/>
-              </a:xfrm>
-              <a:prstGeom prst="rect">
-                <a:avLst/>
-              </a:prstGeom>
-              <a:noFill/>
-            </p:spPr>
-            <p:txBody>
-              <a:bodyPr wrap="square" rtlCol="0">
-                <a:spAutoFit/>
-              </a:bodyPr>
-              <a:lstStyle/>
-              <a:p>
-                <a:r>
-                  <a:rPr lang="en-US" i="1" dirty="0" smtClean="0"/>
-                  <a:t>t = 5</a:t>
-                </a:r>
-                <a:endParaRPr lang="en-US" i="1" dirty="0"/>
-              </a:p>
-            </p:txBody>
-          </p:sp>
-          <p:sp>
-            <p:nvSpPr>
-              <p:cNvPr id="74" name="TextBox 73"/>
-              <p:cNvSpPr txBox="1"/>
-              <p:nvPr/>
-            </p:nvSpPr>
-            <p:spPr>
-              <a:xfrm>
-                <a:off x="2547019" y="228955"/>
-                <a:ext cx="761998" cy="437303"/>
-              </a:xfrm>
-              <a:prstGeom prst="rect">
-                <a:avLst/>
-              </a:prstGeom>
-              <a:noFill/>
-            </p:spPr>
-            <p:txBody>
-              <a:bodyPr wrap="square" rtlCol="0">
-                <a:spAutoFit/>
-              </a:bodyPr>
-              <a:lstStyle/>
-              <a:p>
-                <a:r>
-                  <a:rPr lang="en-US" i="1" dirty="0" smtClean="0"/>
-                  <a:t>t = 15</a:t>
-                </a:r>
-                <a:endParaRPr lang="en-US" i="1" dirty="0"/>
-              </a:p>
-            </p:txBody>
-          </p:sp>
-          <p:sp>
-            <p:nvSpPr>
-              <p:cNvPr id="75" name="TextBox 74"/>
-              <p:cNvSpPr txBox="1"/>
-              <p:nvPr/>
-            </p:nvSpPr>
-            <p:spPr>
-              <a:xfrm>
-                <a:off x="4628956" y="228955"/>
-                <a:ext cx="761998" cy="437303"/>
-              </a:xfrm>
-              <a:prstGeom prst="rect">
-                <a:avLst/>
-              </a:prstGeom>
-              <a:noFill/>
-            </p:spPr>
-            <p:txBody>
-              <a:bodyPr wrap="square" rtlCol="0">
-                <a:spAutoFit/>
-              </a:bodyPr>
-              <a:lstStyle/>
-              <a:p>
-                <a:r>
-                  <a:rPr lang="en-US" i="1" dirty="0" smtClean="0"/>
-                  <a:t>t = 25</a:t>
-                </a:r>
-                <a:endParaRPr lang="en-US" i="1" dirty="0"/>
-              </a:p>
-            </p:txBody>
-          </p:sp>
         </p:grpSp>
-        <p:sp>
-          <p:nvSpPr>
-            <p:cNvPr id="56" name="TextBox 55"/>
-            <p:cNvSpPr txBox="1"/>
-            <p:nvPr/>
-          </p:nvSpPr>
-          <p:spPr>
-            <a:xfrm>
-              <a:off x="1662562" y="217489"/>
-              <a:ext cx="205705" cy="523220"/>
-            </a:xfrm>
-            <a:prstGeom prst="rect">
-              <a:avLst/>
-            </a:prstGeom>
-            <a:noFill/>
-          </p:spPr>
-          <p:txBody>
-            <a:bodyPr wrap="square" rtlCol="0">
-              <a:spAutoFit/>
-            </a:bodyPr>
-            <a:lstStyle/>
-            <a:p>
-              <a:r>
-                <a:rPr lang="en-US" sz="2800" b="1" i="1" dirty="0" err="1" smtClean="0">
-                  <a:latin typeface="Times New Roman"/>
-                  <a:cs typeface="Times New Roman"/>
-                </a:rPr>
-                <a:t>θ</a:t>
-              </a:r>
-              <a:endParaRPr lang="en-US" sz="2800" b="1" i="1" dirty="0">
-                <a:latin typeface="Times New Roman"/>
-                <a:cs typeface="Times New Roman"/>
-              </a:endParaRPr>
-            </a:p>
-          </p:txBody>
-        </p:sp>
-        <p:sp>
-          <p:nvSpPr>
-            <p:cNvPr id="57" name="Arc 56"/>
-            <p:cNvSpPr/>
-            <p:nvPr/>
-          </p:nvSpPr>
-          <p:spPr>
-            <a:xfrm>
-              <a:off x="1260377" y="545362"/>
-              <a:ext cx="698567" cy="1285711"/>
-            </a:xfrm>
-            <a:prstGeom prst="arc">
-              <a:avLst>
-                <a:gd name="adj1" fmla="val 15472041"/>
-                <a:gd name="adj2" fmla="val 16131963"/>
-              </a:avLst>
-            </a:prstGeom>
-            <a:ln w="50800">
-              <a:solidFill>
-                <a:schemeClr val="tx1"/>
-              </a:solidFill>
-              <a:headEnd type="none" w="med" len="lg"/>
-              <a:tailEnd type="none" w="med" len="lg"/>
-            </a:ln>
-            <a:effectLst/>
-          </p:spPr>
-          <p:style>
-            <a:lnRef idx="2">
-              <a:schemeClr val="accent1"/>
-            </a:lnRef>
-            <a:fillRef idx="0">
-              <a:schemeClr val="accent1"/>
-            </a:fillRef>
-            <a:effectRef idx="1">
-              <a:schemeClr val="accent1"/>
-            </a:effectRef>
-            <a:fontRef idx="minor">
-              <a:schemeClr val="tx1"/>
-            </a:fontRef>
-          </p:style>
-          <p:txBody>
-            <a:bodyPr rtlCol="0" anchor="ctr"/>
-            <a:lstStyle/>
-            <a:p>
-              <a:pPr algn="ctr"/>
-              <a:endParaRPr lang="en-US"/>
-            </a:p>
-          </p:txBody>
-        </p:sp>
-        <p:cxnSp>
-          <p:nvCxnSpPr>
-            <p:cNvPr id="58" name="Straight Connector 57"/>
-            <p:cNvCxnSpPr/>
-            <p:nvPr/>
-          </p:nvCxnSpPr>
-          <p:spPr>
-            <a:xfrm>
-              <a:off x="1381158" y="232724"/>
-              <a:ext cx="401568" cy="1143085"/>
-            </a:xfrm>
-            <a:prstGeom prst="line">
-              <a:avLst/>
-            </a:prstGeom>
-            <a:ln>
-              <a:solidFill>
-                <a:srgbClr val="000000"/>
-              </a:solidFill>
-            </a:ln>
-          </p:spPr>
-          <p:style>
-            <a:lnRef idx="2">
-              <a:schemeClr val="accent1"/>
-            </a:lnRef>
-            <a:fillRef idx="0">
-              <a:schemeClr val="accent1"/>
-            </a:fillRef>
-            <a:effectRef idx="1">
-              <a:schemeClr val="accent1"/>
-            </a:effectRef>
-            <a:fontRef idx="minor">
-              <a:schemeClr val="tx1"/>
-            </a:fontRef>
-          </p:style>
-        </p:cxnSp>
-        <p:cxnSp>
-          <p:nvCxnSpPr>
-            <p:cNvPr id="59" name="Straight Connector 58"/>
-            <p:cNvCxnSpPr/>
-            <p:nvPr/>
-          </p:nvCxnSpPr>
-          <p:spPr>
-            <a:xfrm flipV="1">
-              <a:off x="1616046" y="192089"/>
-              <a:ext cx="0" cy="720710"/>
-            </a:xfrm>
-            <a:prstGeom prst="line">
-              <a:avLst/>
-            </a:prstGeom>
-            <a:ln>
-              <a:solidFill>
-                <a:schemeClr val="tx1"/>
-              </a:solidFill>
-            </a:ln>
-          </p:spPr>
-          <p:style>
-            <a:lnRef idx="2">
-              <a:schemeClr val="accent1"/>
-            </a:lnRef>
-            <a:fillRef idx="0">
-              <a:schemeClr val="accent1"/>
-            </a:fillRef>
-            <a:effectRef idx="1">
-              <a:schemeClr val="accent1"/>
-            </a:effectRef>
-            <a:fontRef idx="minor">
-              <a:schemeClr val="tx1"/>
-            </a:fontRef>
-          </p:style>
-        </p:cxnSp>
       </p:grpSp>
     </p:spTree>
     <p:extLst>

--- a/papers/Case2016/pictures/pdf/Straight.pptx
+++ b/papers/Case2016/pictures/pdf/Straight.pptx
@@ -3107,7 +3107,7 @@
           <a:blip r:embed="rId2">
             <a:extLst>
               <a:ext uri="{28A0092B-C50C-407E-A947-70E740481C1C}">
-                <a14:useLocalDpi xmlns:a14="http://schemas.microsoft.com/office/drawing/2010/main" val="0"/>
+                <a14:useLocalDpi xmlns:a14="http://schemas.microsoft.com/office/drawing/2010/main"/>
               </a:ext>
             </a:extLst>
           </a:blip>
@@ -3148,10 +3148,10 @@
             <p:nvPr/>
           </p:nvPicPr>
           <p:blipFill>
-            <a:blip r:embed="rId3">
+            <a:blip r:embed="rId3" cstate="email">
               <a:extLst>
                 <a:ext uri="{28A0092B-C50C-407E-A947-70E740481C1C}">
-                  <a14:useLocalDpi xmlns:a14="http://schemas.microsoft.com/office/drawing/2010/main" val="0"/>
+                  <a14:useLocalDpi xmlns:a14="http://schemas.microsoft.com/office/drawing/2010/main"/>
                 </a:ext>
               </a:extLst>
             </a:blip>
@@ -3178,10 +3178,10 @@
             <p:nvPr/>
           </p:nvPicPr>
           <p:blipFill>
-            <a:blip r:embed="rId4">
+            <a:blip r:embed="rId4" cstate="email">
               <a:extLst>
                 <a:ext uri="{28A0092B-C50C-407E-A947-70E740481C1C}">
-                  <a14:useLocalDpi xmlns:a14="http://schemas.microsoft.com/office/drawing/2010/main" val="0"/>
+                  <a14:useLocalDpi xmlns:a14="http://schemas.microsoft.com/office/drawing/2010/main"/>
                 </a:ext>
               </a:extLst>
             </a:blip>
@@ -3208,10 +3208,10 @@
             <p:nvPr/>
           </p:nvPicPr>
           <p:blipFill>
-            <a:blip r:embed="rId5">
+            <a:blip r:embed="rId5" cstate="email">
               <a:extLst>
                 <a:ext uri="{28A0092B-C50C-407E-A947-70E740481C1C}">
-                  <a14:useLocalDpi xmlns:a14="http://schemas.microsoft.com/office/drawing/2010/main" val="0"/>
+                  <a14:useLocalDpi xmlns:a14="http://schemas.microsoft.com/office/drawing/2010/main"/>
                 </a:ext>
               </a:extLst>
             </a:blip>
